--- a/01-FunTools/01-FunTools.pptx
+++ b/01-FunTools/01-FunTools.pptx
@@ -20,18 +20,18 @@
     <p:sldId id="347" r:id="rId8"/>
     <p:sldId id="346" r:id="rId9"/>
     <p:sldId id="350" r:id="rId10"/>
-    <p:sldId id="351" r:id="rId11"/>
-    <p:sldId id="352" r:id="rId12"/>
+    <p:sldId id="352" r:id="rId11"/>
+    <p:sldId id="365" r:id="rId12"/>
     <p:sldId id="349" r:id="rId13"/>
     <p:sldId id="354" r:id="rId14"/>
     <p:sldId id="355" r:id="rId15"/>
     <p:sldId id="356" r:id="rId16"/>
     <p:sldId id="353" r:id="rId17"/>
     <p:sldId id="360" r:id="rId18"/>
-    <p:sldId id="361" r:id="rId19"/>
-    <p:sldId id="362" r:id="rId20"/>
+    <p:sldId id="362" r:id="rId19"/>
+    <p:sldId id="366" r:id="rId20"/>
     <p:sldId id="363" r:id="rId21"/>
-    <p:sldId id="364" r:id="rId22"/>
+    <p:sldId id="367" r:id="rId22"/>
   </p:sldIdLst>
   <p:sldSz cx="12192000" cy="6858000"/>
   <p:notesSz cx="6858000" cy="9144000"/>
@@ -2342,7 +2342,7 @@
         <p:cNvPr id="1" name="">
           <a:extLst>
             <a:ext uri="{FF2B5EF4-FFF2-40B4-BE49-F238E27FC236}">
-              <a16:creationId xmlns:a16="http://schemas.microsoft.com/office/drawing/2014/main" id="{2671E373-015F-464B-8AD4-3BE247539A2E}"/>
+              <a16:creationId xmlns:a16="http://schemas.microsoft.com/office/drawing/2014/main" id="{8B948271-F893-7826-D2EB-BF0EB2B12427}"/>
             </a:ext>
           </a:extLst>
         </p:cNvPr>
@@ -2362,7 +2362,7 @@
           <p:cNvPr id="4" name="Title 3">
             <a:extLst>
               <a:ext uri="{FF2B5EF4-FFF2-40B4-BE49-F238E27FC236}">
-                <a16:creationId xmlns:a16="http://schemas.microsoft.com/office/drawing/2014/main" id="{3F60656B-F2C6-0763-2273-4ED6DC248F97}"/>
+                <a16:creationId xmlns:a16="http://schemas.microsoft.com/office/drawing/2014/main" id="{A467F018-F24C-88E9-93E6-EAF0F0265114}"/>
               </a:ext>
             </a:extLst>
           </p:cNvPr>
@@ -2400,7 +2400,7 @@
           <p:cNvPr id="20" name="TextBox 19">
             <a:extLst>
               <a:ext uri="{FF2B5EF4-FFF2-40B4-BE49-F238E27FC236}">
-                <a16:creationId xmlns:a16="http://schemas.microsoft.com/office/drawing/2014/main" id="{A82BADFF-5D5E-322D-67FA-A213A1092A94}"/>
+                <a16:creationId xmlns:a16="http://schemas.microsoft.com/office/drawing/2014/main" id="{DF5660E0-B795-5177-B2D0-3ABA080BBDE9}"/>
               </a:ext>
             </a:extLst>
           </p:cNvPr>
@@ -2436,7 +2436,7 @@
           <p:cNvPr id="27" name="TextBox 26">
             <a:extLst>
               <a:ext uri="{FF2B5EF4-FFF2-40B4-BE49-F238E27FC236}">
-                <a16:creationId xmlns:a16="http://schemas.microsoft.com/office/drawing/2014/main" id="{DDCEF0DE-FBAE-37AE-D890-3CCA78355251}"/>
+                <a16:creationId xmlns:a16="http://schemas.microsoft.com/office/drawing/2014/main" id="{BD4CD9D6-CF92-BB68-5F61-C6F4B760EA50}"/>
               </a:ext>
             </a:extLst>
           </p:cNvPr>
@@ -2512,7 +2512,7 @@
           <p:cNvPr id="2" name="Picture 1">
             <a:extLst>
               <a:ext uri="{FF2B5EF4-FFF2-40B4-BE49-F238E27FC236}">
-                <a16:creationId xmlns:a16="http://schemas.microsoft.com/office/drawing/2014/main" id="{80D85BD3-A81D-9B4A-876A-6670B264B884}"/>
+                <a16:creationId xmlns:a16="http://schemas.microsoft.com/office/drawing/2014/main" id="{BFF610DC-B31B-A2E8-678B-9E1840730785}"/>
               </a:ext>
             </a:extLst>
           </p:cNvPr>
@@ -2549,7 +2549,7 @@
           <p:cNvPr id="7" name="TextBox 6">
             <a:extLst>
               <a:ext uri="{FF2B5EF4-FFF2-40B4-BE49-F238E27FC236}">
-                <a16:creationId xmlns:a16="http://schemas.microsoft.com/office/drawing/2014/main" id="{DA061B03-683E-25F8-DF4D-1728CD69BCB5}"/>
+                <a16:creationId xmlns:a16="http://schemas.microsoft.com/office/drawing/2014/main" id="{3C3BDB16-C33B-6118-C37F-E74D8D743753}"/>
               </a:ext>
             </a:extLst>
           </p:cNvPr>
@@ -2585,7 +2585,7 @@
           <p:cNvPr id="11" name="Picture 10">
             <a:extLst>
               <a:ext uri="{FF2B5EF4-FFF2-40B4-BE49-F238E27FC236}">
-                <a16:creationId xmlns:a16="http://schemas.microsoft.com/office/drawing/2014/main" id="{3C6E6DBA-8A2E-C311-81C0-D6465B412027}"/>
+                <a16:creationId xmlns:a16="http://schemas.microsoft.com/office/drawing/2014/main" id="{6DD47945-CCAD-9ED0-ECEB-FCBE4C9E672E}"/>
               </a:ext>
             </a:extLst>
           </p:cNvPr>
@@ -2602,8 +2602,8 @@
         </p:blipFill>
         <p:spPr>
           <a:xfrm>
-            <a:off x="7244925" y="1907508"/>
-            <a:ext cx="4007081" cy="3038475"/>
+            <a:off x="7244925" y="1907509"/>
+            <a:ext cx="3804657" cy="2629590"/>
           </a:xfrm>
           <a:prstGeom prst="rect">
             <a:avLst/>
@@ -2620,7 +2620,7 @@
     </p:spTree>
     <p:extLst>
       <p:ext uri="{BB962C8B-B14F-4D97-AF65-F5344CB8AC3E}">
-        <p14:creationId xmlns:p14="http://schemas.microsoft.com/office/powerpoint/2010/main" val="562099939"/>
+        <p14:creationId xmlns:p14="http://schemas.microsoft.com/office/powerpoint/2010/main" val="3198121640"/>
       </p:ext>
     </p:extLst>
   </p:cSld>
@@ -2646,7 +2646,7 @@
         <p:cNvPr id="1" name="">
           <a:extLst>
             <a:ext uri="{FF2B5EF4-FFF2-40B4-BE49-F238E27FC236}">
-              <a16:creationId xmlns:a16="http://schemas.microsoft.com/office/drawing/2014/main" id="{8B948271-F893-7826-D2EB-BF0EB2B12427}"/>
+              <a16:creationId xmlns:a16="http://schemas.microsoft.com/office/drawing/2014/main" id="{806E7B2E-59BD-28F4-20E3-E0C1E70590E7}"/>
             </a:ext>
           </a:extLst>
         </p:cNvPr>
@@ -2666,7 +2666,7 @@
           <p:cNvPr id="4" name="Title 3">
             <a:extLst>
               <a:ext uri="{FF2B5EF4-FFF2-40B4-BE49-F238E27FC236}">
-                <a16:creationId xmlns:a16="http://schemas.microsoft.com/office/drawing/2014/main" id="{A467F018-F24C-88E9-93E6-EAF0F0265114}"/>
+                <a16:creationId xmlns:a16="http://schemas.microsoft.com/office/drawing/2014/main" id="{84F21150-1605-59AC-B41B-0F45C5516914}"/>
               </a:ext>
             </a:extLst>
           </p:cNvPr>
@@ -2704,7 +2704,7 @@
           <p:cNvPr id="20" name="TextBox 19">
             <a:extLst>
               <a:ext uri="{FF2B5EF4-FFF2-40B4-BE49-F238E27FC236}">
-                <a16:creationId xmlns:a16="http://schemas.microsoft.com/office/drawing/2014/main" id="{DF5660E0-B795-5177-B2D0-3ABA080BBDE9}"/>
+                <a16:creationId xmlns:a16="http://schemas.microsoft.com/office/drawing/2014/main" id="{F4F46E23-F6A0-315F-4CCE-154AC9EA4F7D}"/>
               </a:ext>
             </a:extLst>
           </p:cNvPr>
@@ -2740,7 +2740,7 @@
           <p:cNvPr id="27" name="TextBox 26">
             <a:extLst>
               <a:ext uri="{FF2B5EF4-FFF2-40B4-BE49-F238E27FC236}">
-                <a16:creationId xmlns:a16="http://schemas.microsoft.com/office/drawing/2014/main" id="{BD4CD9D6-CF92-BB68-5F61-C6F4B760EA50}"/>
+                <a16:creationId xmlns:a16="http://schemas.microsoft.com/office/drawing/2014/main" id="{C134B2F7-E8FA-F6B4-4C95-6301E7C27425}"/>
               </a:ext>
             </a:extLst>
           </p:cNvPr>
@@ -2816,7 +2816,7 @@
           <p:cNvPr id="2" name="Picture 1">
             <a:extLst>
               <a:ext uri="{FF2B5EF4-FFF2-40B4-BE49-F238E27FC236}">
-                <a16:creationId xmlns:a16="http://schemas.microsoft.com/office/drawing/2014/main" id="{BFF610DC-B31B-A2E8-678B-9E1840730785}"/>
+                <a16:creationId xmlns:a16="http://schemas.microsoft.com/office/drawing/2014/main" id="{1813FA97-AE9E-8F77-B9A4-5C7781976D41}"/>
               </a:ext>
             </a:extLst>
           </p:cNvPr>
@@ -2853,7 +2853,7 @@
           <p:cNvPr id="7" name="TextBox 6">
             <a:extLst>
               <a:ext uri="{FF2B5EF4-FFF2-40B4-BE49-F238E27FC236}">
-                <a16:creationId xmlns:a16="http://schemas.microsoft.com/office/drawing/2014/main" id="{3C3BDB16-C33B-6118-C37F-E74D8D743753}"/>
+                <a16:creationId xmlns:a16="http://schemas.microsoft.com/office/drawing/2014/main" id="{574532C6-955F-1CDC-C2B9-CAEACDE3698B}"/>
               </a:ext>
             </a:extLst>
           </p:cNvPr>
@@ -2889,7 +2889,7 @@
           <p:cNvPr id="8" name="TextBox 7">
             <a:extLst>
               <a:ext uri="{FF2B5EF4-FFF2-40B4-BE49-F238E27FC236}">
-                <a16:creationId xmlns:a16="http://schemas.microsoft.com/office/drawing/2014/main" id="{23BCD97B-1FAA-8410-711E-3BF7171556B1}"/>
+                <a16:creationId xmlns:a16="http://schemas.microsoft.com/office/drawing/2014/main" id="{DE4F18EC-8727-4E73-02FF-047F463A28C5}"/>
               </a:ext>
             </a:extLst>
           </p:cNvPr>
@@ -2962,7 +2962,7 @@
           <p:cNvPr id="11" name="Picture 10">
             <a:extLst>
               <a:ext uri="{FF2B5EF4-FFF2-40B4-BE49-F238E27FC236}">
-                <a16:creationId xmlns:a16="http://schemas.microsoft.com/office/drawing/2014/main" id="{6DD47945-CCAD-9ED0-ECEB-FCBE4C9E672E}"/>
+                <a16:creationId xmlns:a16="http://schemas.microsoft.com/office/drawing/2014/main" id="{1E09BC85-CDBB-E233-7FF3-CBBE141FEEC6}"/>
               </a:ext>
             </a:extLst>
           </p:cNvPr>
@@ -2997,7 +2997,7 @@
     </p:spTree>
     <p:extLst>
       <p:ext uri="{BB962C8B-B14F-4D97-AF65-F5344CB8AC3E}">
-        <p14:creationId xmlns:p14="http://schemas.microsoft.com/office/powerpoint/2010/main" val="3198121640"/>
+        <p14:creationId xmlns:p14="http://schemas.microsoft.com/office/powerpoint/2010/main" val="4177296510"/>
       </p:ext>
     </p:extLst>
   </p:cSld>
@@ -4357,7 +4357,7 @@
         <p:cNvPr id="1" name="">
           <a:extLst>
             <a:ext uri="{FF2B5EF4-FFF2-40B4-BE49-F238E27FC236}">
-              <a16:creationId xmlns:a16="http://schemas.microsoft.com/office/drawing/2014/main" id="{C61C2410-4CFC-18A5-B120-606E2077302A}"/>
+              <a16:creationId xmlns:a16="http://schemas.microsoft.com/office/drawing/2014/main" id="{83A64362-E2A3-7D43-A4DF-3BF5D0AF4A49}"/>
             </a:ext>
           </a:extLst>
         </p:cNvPr>
@@ -4377,7 +4377,7 @@
           <p:cNvPr id="4" name="Title 3">
             <a:extLst>
               <a:ext uri="{FF2B5EF4-FFF2-40B4-BE49-F238E27FC236}">
-                <a16:creationId xmlns:a16="http://schemas.microsoft.com/office/drawing/2014/main" id="{040F7884-39DC-BB97-B66C-AE18471A1FDC}"/>
+                <a16:creationId xmlns:a16="http://schemas.microsoft.com/office/drawing/2014/main" id="{7262B1CB-13E4-A8B2-77B4-DCAF8DA133B2}"/>
               </a:ext>
             </a:extLst>
           </p:cNvPr>
@@ -4400,7 +4400,7 @@
           <a:p>
             <a:r>
               <a:rPr lang="en-IN" dirty="0"/>
-              <a:t>LLM &amp; Function Tools In Action…</a:t>
+              <a:t>LLM &amp; Function Tools In Action.</a:t>
             </a:r>
             <a:endParaRPr lang="en-US" dirty="0">
               <a:solidFill>
@@ -4415,7 +4415,7 @@
           <p:cNvPr id="3" name="Picture 2">
             <a:extLst>
               <a:ext uri="{FF2B5EF4-FFF2-40B4-BE49-F238E27FC236}">
-                <a16:creationId xmlns:a16="http://schemas.microsoft.com/office/drawing/2014/main" id="{CDBCD642-5609-1E8D-7DCF-625DB9E92071}"/>
+                <a16:creationId xmlns:a16="http://schemas.microsoft.com/office/drawing/2014/main" id="{1DE9AD4B-EF66-DC64-F3DA-51B834D6F133}"/>
               </a:ext>
             </a:extLst>
           </p:cNvPr>
@@ -4452,7 +4452,7 @@
           <p:cNvPr id="7" name="TextBox 6">
             <a:extLst>
               <a:ext uri="{FF2B5EF4-FFF2-40B4-BE49-F238E27FC236}">
-                <a16:creationId xmlns:a16="http://schemas.microsoft.com/office/drawing/2014/main" id="{FF00707C-C162-BE57-FAD0-18B1C00CF661}"/>
+                <a16:creationId xmlns:a16="http://schemas.microsoft.com/office/drawing/2014/main" id="{0EAD7F4C-3132-9143-536C-F017D6226502}"/>
               </a:ext>
             </a:extLst>
           </p:cNvPr>
@@ -4533,7 +4533,7 @@
           <p:cNvPr id="6" name="TextBox 5">
             <a:extLst>
               <a:ext uri="{FF2B5EF4-FFF2-40B4-BE49-F238E27FC236}">
-                <a16:creationId xmlns:a16="http://schemas.microsoft.com/office/drawing/2014/main" id="{F3601A92-68E5-2915-ED98-FDB00586C006}"/>
+                <a16:creationId xmlns:a16="http://schemas.microsoft.com/office/drawing/2014/main" id="{56AE2932-974E-2B2D-FE58-15560C7229DD}"/>
               </a:ext>
             </a:extLst>
           </p:cNvPr>
@@ -4542,8 +4542,8 @@
         </p:nvSpPr>
         <p:spPr>
           <a:xfrm>
-            <a:off x="5637704" y="3008785"/>
-            <a:ext cx="6097604" cy="1815882"/>
+            <a:off x="5637704" y="3504375"/>
+            <a:ext cx="6097604" cy="738664"/>
           </a:xfrm>
           <a:prstGeom prst="rect">
             <a:avLst/>
@@ -4571,35 +4571,12 @@
             </a:lvl1pPr>
           </a:lstStyle>
           <a:p>
+            <a:pPr marL="0" indent="0">
+              <a:buNone/>
+            </a:pPr>
             <a:r>
               <a:rPr lang="en-US" altLang="en-US" dirty="0"/>
-              <a:t>❓ If the user already has access to the function (like </a:t>
-            </a:r>
-            <a:r>
-              <a:rPr lang="en-US" altLang="en-US" dirty="0" err="1"/>
-              <a:t>get_weather</a:t>
-            </a:r>
-            <a:r>
-              <a:rPr lang="en-US" altLang="en-US" dirty="0"/>
-              <a:t>), why not invoke it directly instead of routing the request through the LLM?</a:t>
-            </a:r>
-          </a:p>
-          <a:p>
-            <a:endParaRPr lang="en-US" altLang="en-US" dirty="0"/>
-          </a:p>
-          <a:p>
-            <a:r>
-              <a:rPr lang="en-US" altLang="en-US" dirty="0"/>
-              <a:t>❓ What value does the LLM add if it only acts as a middleman suggesting which function to use?</a:t>
-            </a:r>
-          </a:p>
-          <a:p>
-            <a:endParaRPr lang="en-US" altLang="en-US" dirty="0"/>
-          </a:p>
-          <a:p>
-            <a:r>
-              <a:rPr lang="en-US" altLang="en-US" dirty="0"/>
-              <a:t>❓ Could relying on the LLM for tool invocation introduce unnecessary latency or complexity in the workflow?</a:t>
+              <a:t>❓ If the user already has access to the function, what value does the LLM add by acting as a middleman instead of invoking it directly—doesn’t this introduce extra complexity or latency?</a:t>
             </a:r>
           </a:p>
         </p:txBody>
@@ -4607,7 +4584,7 @@
     </p:spTree>
     <p:extLst>
       <p:ext uri="{BB962C8B-B14F-4D97-AF65-F5344CB8AC3E}">
-        <p14:creationId xmlns:p14="http://schemas.microsoft.com/office/powerpoint/2010/main" val="1540852276"/>
+        <p14:creationId xmlns:p14="http://schemas.microsoft.com/office/powerpoint/2010/main" val="159971739"/>
       </p:ext>
     </p:extLst>
   </p:cSld>
@@ -4633,7 +4610,7 @@
         <p:cNvPr id="1" name="">
           <a:extLst>
             <a:ext uri="{FF2B5EF4-FFF2-40B4-BE49-F238E27FC236}">
-              <a16:creationId xmlns:a16="http://schemas.microsoft.com/office/drawing/2014/main" id="{83A64362-E2A3-7D43-A4DF-3BF5D0AF4A49}"/>
+              <a16:creationId xmlns:a16="http://schemas.microsoft.com/office/drawing/2014/main" id="{9AD30D11-DF48-8C19-D1F2-74920C19AD8A}"/>
             </a:ext>
           </a:extLst>
         </p:cNvPr>
@@ -4653,7 +4630,7 @@
           <p:cNvPr id="4" name="Title 3">
             <a:extLst>
               <a:ext uri="{FF2B5EF4-FFF2-40B4-BE49-F238E27FC236}">
-                <a16:creationId xmlns:a16="http://schemas.microsoft.com/office/drawing/2014/main" id="{7262B1CB-13E4-A8B2-77B4-DCAF8DA133B2}"/>
+                <a16:creationId xmlns:a16="http://schemas.microsoft.com/office/drawing/2014/main" id="{417B6CEB-52B9-4AEA-56C5-EEBF2E44E71A}"/>
               </a:ext>
             </a:extLst>
           </p:cNvPr>
@@ -4691,7 +4668,7 @@
           <p:cNvPr id="3" name="Picture 2">
             <a:extLst>
               <a:ext uri="{FF2B5EF4-FFF2-40B4-BE49-F238E27FC236}">
-                <a16:creationId xmlns:a16="http://schemas.microsoft.com/office/drawing/2014/main" id="{1DE9AD4B-EF66-DC64-F3DA-51B834D6F133}"/>
+                <a16:creationId xmlns:a16="http://schemas.microsoft.com/office/drawing/2014/main" id="{3329A3E7-31D4-CC81-F94D-B7E965A6F771}"/>
               </a:ext>
             </a:extLst>
           </p:cNvPr>
@@ -4728,7 +4705,7 @@
           <p:cNvPr id="7" name="TextBox 6">
             <a:extLst>
               <a:ext uri="{FF2B5EF4-FFF2-40B4-BE49-F238E27FC236}">
-                <a16:creationId xmlns:a16="http://schemas.microsoft.com/office/drawing/2014/main" id="{0EAD7F4C-3132-9143-536C-F017D6226502}"/>
+                <a16:creationId xmlns:a16="http://schemas.microsoft.com/office/drawing/2014/main" id="{14C769B5-DCA5-AA9B-4A8E-1F3A0EC9A825}"/>
               </a:ext>
             </a:extLst>
           </p:cNvPr>
@@ -4809,7 +4786,7 @@
           <p:cNvPr id="6" name="TextBox 5">
             <a:extLst>
               <a:ext uri="{FF2B5EF4-FFF2-40B4-BE49-F238E27FC236}">
-                <a16:creationId xmlns:a16="http://schemas.microsoft.com/office/drawing/2014/main" id="{56AE2932-974E-2B2D-FE58-15560C7229DD}"/>
+                <a16:creationId xmlns:a16="http://schemas.microsoft.com/office/drawing/2014/main" id="{E909A38E-6E4A-5D72-D7B3-5B0FBCB0C77C}"/>
               </a:ext>
             </a:extLst>
           </p:cNvPr>
@@ -4862,7 +4839,7 @@
           <p:cNvPr id="10" name="TextBox 9">
             <a:extLst>
               <a:ext uri="{FF2B5EF4-FFF2-40B4-BE49-F238E27FC236}">
-                <a16:creationId xmlns:a16="http://schemas.microsoft.com/office/drawing/2014/main" id="{E553444E-AC56-0744-040B-D9DCF7497B4D}"/>
+                <a16:creationId xmlns:a16="http://schemas.microsoft.com/office/drawing/2014/main" id="{4625DDE7-4F0F-FF5E-17C2-22D8E3301FF8}"/>
               </a:ext>
             </a:extLst>
           </p:cNvPr>
@@ -4921,7 +4898,7 @@
     </p:spTree>
     <p:extLst>
       <p:ext uri="{BB962C8B-B14F-4D97-AF65-F5344CB8AC3E}">
-        <p14:creationId xmlns:p14="http://schemas.microsoft.com/office/powerpoint/2010/main" val="159971739"/>
+        <p14:creationId xmlns:p14="http://schemas.microsoft.com/office/powerpoint/2010/main" val="2697333056"/>
       </p:ext>
     </p:extLst>
   </p:cSld>
@@ -5199,7 +5176,7 @@
         </p:blipFill>
         <p:spPr>
           <a:xfrm>
-            <a:off x="561975" y="1088136"/>
+            <a:off x="561975" y="2037434"/>
             <a:ext cx="5534025" cy="4829175"/>
           </a:xfrm>
           <a:prstGeom prst="rect">
@@ -5214,6 +5191,63 @@
           </a:ln>
         </p:spPr>
       </p:pic>
+      <p:sp>
+        <p:nvSpPr>
+          <p:cNvPr id="3" name="TextBox 2">
+            <a:extLst>
+              <a:ext uri="{FF2B5EF4-FFF2-40B4-BE49-F238E27FC236}">
+                <a16:creationId xmlns:a16="http://schemas.microsoft.com/office/drawing/2014/main" id="{F4FB0368-F2A0-D3BC-7572-87FF76E85E9E}"/>
+              </a:ext>
+            </a:extLst>
+          </p:cNvPr>
+          <p:cNvSpPr txBox="1"/>
+          <p:nvPr/>
+        </p:nvSpPr>
+        <p:spPr>
+          <a:xfrm>
+            <a:off x="521208" y="1254059"/>
+            <a:ext cx="5574792" cy="523220"/>
+          </a:xfrm>
+          <a:prstGeom prst="rect">
+            <a:avLst/>
+          </a:prstGeom>
+          <a:noFill/>
+          <a:ln>
+            <a:solidFill>
+              <a:schemeClr val="tx1"/>
+            </a:solidFill>
+            <a:prstDash val="sysDash"/>
+          </a:ln>
+        </p:spPr>
+        <p:txBody>
+          <a:bodyPr wrap="square" rtlCol="0">
+            <a:spAutoFit/>
+          </a:bodyPr>
+          <a:lstStyle>
+            <a:defPPr>
+              <a:defRPr lang="en-US"/>
+            </a:defPPr>
+            <a:lvl1pPr marL="285750" indent="-285750" algn="just">
+              <a:buFont typeface="Arial" panose="020B0604020202020204" pitchFamily="34" charset="0"/>
+              <a:buChar char="•"/>
+              <a:defRPr sz="1400"/>
+            </a:lvl1pPr>
+          </a:lstStyle>
+          <a:p>
+            <a:pPr marL="0" indent="0">
+              <a:buNone/>
+            </a:pPr>
+            <a:r>
+              <a:rPr lang="en-IN" b="1" dirty="0"/>
+              <a:t>Task</a:t>
+            </a:r>
+            <a:r>
+              <a:rPr lang="en-IN" dirty="0"/>
+              <a:t>: PromptlyAI intends to distribute 50% of its annual profit as bonuses to employees, weighted by their performance ratings</a:t>
+            </a:r>
+          </a:p>
+        </p:txBody>
+      </p:sp>
     </p:spTree>
     <p:extLst>
       <p:ext uri="{BB962C8B-B14F-4D97-AF65-F5344CB8AC3E}">
@@ -5243,7 +5277,7 @@
         <p:cNvPr id="1" name="">
           <a:extLst>
             <a:ext uri="{FF2B5EF4-FFF2-40B4-BE49-F238E27FC236}">
-              <a16:creationId xmlns:a16="http://schemas.microsoft.com/office/drawing/2014/main" id="{8BA1A158-E64B-FC42-92C2-C5D60DFF530A}"/>
+              <a16:creationId xmlns:a16="http://schemas.microsoft.com/office/drawing/2014/main" id="{B1472705-E75A-4D8D-5EDB-9646E77711C7}"/>
             </a:ext>
           </a:extLst>
         </p:cNvPr>
@@ -5263,7 +5297,7 @@
           <p:cNvPr id="4" name="Title 3">
             <a:extLst>
               <a:ext uri="{FF2B5EF4-FFF2-40B4-BE49-F238E27FC236}">
-                <a16:creationId xmlns:a16="http://schemas.microsoft.com/office/drawing/2014/main" id="{EA9CF8F3-EED7-B32D-B017-67AD166F0313}"/>
+                <a16:creationId xmlns:a16="http://schemas.microsoft.com/office/drawing/2014/main" id="{01317182-B8AE-209E-A071-8A61E61C864B}"/>
               </a:ext>
             </a:extLst>
           </p:cNvPr>
@@ -5303,7 +5337,7 @@
           <p:cNvPr id="9" name="Picture 8">
             <a:extLst>
               <a:ext uri="{FF2B5EF4-FFF2-40B4-BE49-F238E27FC236}">
-                <a16:creationId xmlns:a16="http://schemas.microsoft.com/office/drawing/2014/main" id="{5D7524B8-D10B-ADDD-4861-82DB57999A76}"/>
+                <a16:creationId xmlns:a16="http://schemas.microsoft.com/office/drawing/2014/main" id="{C309D863-9535-1F7C-2229-58D335C9D150}"/>
               </a:ext>
             </a:extLst>
           </p:cNvPr>
@@ -5320,7 +5354,7 @@
         </p:blipFill>
         <p:spPr>
           <a:xfrm>
-            <a:off x="561975" y="1174761"/>
+            <a:off x="561975" y="2037434"/>
             <a:ext cx="5534025" cy="4829175"/>
           </a:xfrm>
           <a:prstGeom prst="rect">
@@ -5335,12 +5369,69 @@
           </a:ln>
         </p:spPr>
       </p:pic>
+      <p:sp>
+        <p:nvSpPr>
+          <p:cNvPr id="3" name="TextBox 2">
+            <a:extLst>
+              <a:ext uri="{FF2B5EF4-FFF2-40B4-BE49-F238E27FC236}">
+                <a16:creationId xmlns:a16="http://schemas.microsoft.com/office/drawing/2014/main" id="{8841C4DF-FEFD-1494-F9F1-FC87D56E0DCD}"/>
+              </a:ext>
+            </a:extLst>
+          </p:cNvPr>
+          <p:cNvSpPr txBox="1"/>
+          <p:nvPr/>
+        </p:nvSpPr>
+        <p:spPr>
+          <a:xfrm>
+            <a:off x="521208" y="1254059"/>
+            <a:ext cx="5574792" cy="523220"/>
+          </a:xfrm>
+          <a:prstGeom prst="rect">
+            <a:avLst/>
+          </a:prstGeom>
+          <a:noFill/>
+          <a:ln>
+            <a:solidFill>
+              <a:schemeClr val="tx1"/>
+            </a:solidFill>
+            <a:prstDash val="sysDash"/>
+          </a:ln>
+        </p:spPr>
+        <p:txBody>
+          <a:bodyPr wrap="square" rtlCol="0">
+            <a:spAutoFit/>
+          </a:bodyPr>
+          <a:lstStyle>
+            <a:defPPr>
+              <a:defRPr lang="en-US"/>
+            </a:defPPr>
+            <a:lvl1pPr marL="285750" indent="-285750" algn="just">
+              <a:buFont typeface="Arial" panose="020B0604020202020204" pitchFamily="34" charset="0"/>
+              <a:buChar char="•"/>
+              <a:defRPr sz="1400"/>
+            </a:lvl1pPr>
+          </a:lstStyle>
+          <a:p>
+            <a:pPr marL="0" indent="0">
+              <a:buNone/>
+            </a:pPr>
+            <a:r>
+              <a:rPr lang="en-IN" b="1" dirty="0"/>
+              <a:t>Task</a:t>
+            </a:r>
+            <a:r>
+              <a:rPr lang="en-IN" dirty="0"/>
+              <a:t>: PromptlyAI intends to distribute 50% of its annual profit as bonuses to employees, weighted by their performance ratings</a:t>
+            </a:r>
+          </a:p>
+        </p:txBody>
+      </p:sp>
       <p:pic>
         <p:nvPicPr>
-          <p:cNvPr id="3" name="Picture 2">
-            <a:extLst>
-              <a:ext uri="{FF2B5EF4-FFF2-40B4-BE49-F238E27FC236}">
-                <a16:creationId xmlns:a16="http://schemas.microsoft.com/office/drawing/2014/main" id="{75FE965D-09C1-01E4-1190-8838FD672EFD}"/>
+          <p:cNvPr id="2" name="Picture 1">
+            <a:extLst>
+              <a:ext uri="{FF2B5EF4-FFF2-40B4-BE49-F238E27FC236}">
+                <a16:creationId xmlns:a16="http://schemas.microsoft.com/office/drawing/2014/main" id="{0B7B8205-67EA-0323-05A1-3B09F8AA4533}"/>
               </a:ext>
             </a:extLst>
           </p:cNvPr>
@@ -5357,7 +5448,7 @@
         </p:blipFill>
         <p:spPr>
           <a:xfrm>
-            <a:off x="6495698" y="2384436"/>
+            <a:off x="6495698" y="3236012"/>
             <a:ext cx="5534025" cy="3619500"/>
           </a:xfrm>
           <a:prstGeom prst="rect">
@@ -5375,7 +5466,7 @@
     </p:spTree>
     <p:extLst>
       <p:ext uri="{BB962C8B-B14F-4D97-AF65-F5344CB8AC3E}">
-        <p14:creationId xmlns:p14="http://schemas.microsoft.com/office/powerpoint/2010/main" val="2790560442"/>
+        <p14:creationId xmlns:p14="http://schemas.microsoft.com/office/powerpoint/2010/main" val="1120452616"/>
       </p:ext>
     </p:extLst>
   </p:cSld>
